--- a/_book/plot/ss-q11-bar-1.pptx
+++ b/_book/plot/ss-q11-bar-1.pptx
@@ -3158,7 +3158,7 @@
           <p:spPr>
             <a:xfrm>
               <a:off x="1952625" y="1933892"/>
-              <a:ext cx="3657599" cy="1463040"/>
+              <a:ext cx="3657600" cy="1463040"/>
             </a:xfrm>
             <a:prstGeom prst="rect">
               <a:avLst/>
@@ -3192,8 +3192,8 @@
           </p:nvSpPr>
           <p:spPr>
             <a:xfrm>
-              <a:off x="3462633" y="2003481"/>
-              <a:ext cx="2078002" cy="997555"/>
+              <a:off x="3460890" y="2003481"/>
+              <a:ext cx="2079745" cy="1001252"/>
             </a:xfrm>
             <a:prstGeom prst="rect">
               <a:avLst/>
@@ -3218,15 +3218,15 @@
           </p:nvSpPr>
           <p:spPr>
             <a:xfrm>
-              <a:off x="3731259" y="2003481"/>
-              <a:ext cx="0" cy="997555"/>
+              <a:off x="3729741" y="2003481"/>
+              <a:ext cx="0" cy="1001252"/>
             </a:xfrm>
             <a:custGeom>
               <a:avLst/>
               <a:pathLst>
-                <a:path w="0" h="997555">
+                <a:path w="0" h="1001252">
                   <a:moveTo>
-                    <a:pt x="0" y="997555"/>
+                    <a:pt x="0" y="1001252"/>
                   </a:moveTo>
                   <a:lnTo>
                     <a:pt x="0" y="0"/>
@@ -3261,15 +3261,15 @@
           </p:nvSpPr>
           <p:spPr>
             <a:xfrm>
-              <a:off x="4268510" y="2003481"/>
-              <a:ext cx="0" cy="997555"/>
+              <a:off x="4267443" y="2003481"/>
+              <a:ext cx="0" cy="1001252"/>
             </a:xfrm>
             <a:custGeom>
               <a:avLst/>
               <a:pathLst>
-                <a:path w="0" h="997555">
+                <a:path w="0" h="1001252">
                   <a:moveTo>
-                    <a:pt x="0" y="997555"/>
+                    <a:pt x="0" y="1001252"/>
                   </a:moveTo>
                   <a:lnTo>
                     <a:pt x="0" y="0"/>
@@ -3304,15 +3304,15 @@
           </p:nvSpPr>
           <p:spPr>
             <a:xfrm>
-              <a:off x="4805762" y="2003481"/>
-              <a:ext cx="0" cy="997555"/>
+              <a:off x="4805145" y="2003481"/>
+              <a:ext cx="0" cy="1001252"/>
             </a:xfrm>
             <a:custGeom>
               <a:avLst/>
               <a:pathLst>
-                <a:path w="0" h="997555">
+                <a:path w="0" h="1001252">
                   <a:moveTo>
-                    <a:pt x="0" y="997555"/>
+                    <a:pt x="0" y="1001252"/>
                   </a:moveTo>
                   <a:lnTo>
                     <a:pt x="0" y="0"/>
@@ -3347,15 +3347,15 @@
           </p:nvSpPr>
           <p:spPr>
             <a:xfrm>
-              <a:off x="5343013" y="2003481"/>
-              <a:ext cx="0" cy="997555"/>
+              <a:off x="5342847" y="2003481"/>
+              <a:ext cx="0" cy="1001252"/>
             </a:xfrm>
             <a:custGeom>
               <a:avLst/>
               <a:pathLst>
-                <a:path w="0" h="997555">
+                <a:path w="0" h="1001252">
                   <a:moveTo>
-                    <a:pt x="0" y="997555"/>
+                    <a:pt x="0" y="1001252"/>
                   </a:moveTo>
                   <a:lnTo>
                     <a:pt x="0" y="0"/>
@@ -3390,21 +3390,21 @@
           </p:nvSpPr>
           <p:spPr>
             <a:xfrm>
-              <a:off x="3462633" y="2813995"/>
-              <a:ext cx="2078002" cy="0"/>
+              <a:off x="3460890" y="2816999"/>
+              <a:ext cx="2079745" cy="0"/>
             </a:xfrm>
             <a:custGeom>
               <a:avLst/>
               <a:pathLst>
-                <a:path w="2078002" h="0">
+                <a:path w="2079745" h="0">
                   <a:moveTo>
                     <a:pt x="0" y="0"/>
                   </a:moveTo>
                   <a:lnTo>
-                    <a:pt x="2078002" y="0"/>
-                  </a:lnTo>
-                  <a:lnTo>
-                    <a:pt x="2078002" y="0"/>
+                    <a:pt x="2079745" y="0"/>
+                  </a:lnTo>
+                  <a:lnTo>
+                    <a:pt x="2079745" y="0"/>
                   </a:lnTo>
                 </a:path>
               </a:pathLst>
@@ -3433,21 +3433,21 @@
           </p:nvSpPr>
           <p:spPr>
             <a:xfrm>
-              <a:off x="3462633" y="2502259"/>
-              <a:ext cx="2078002" cy="0"/>
+              <a:off x="3460890" y="2504107"/>
+              <a:ext cx="2079745" cy="0"/>
             </a:xfrm>
             <a:custGeom>
               <a:avLst/>
               <a:pathLst>
-                <a:path w="2078002" h="0">
+                <a:path w="2079745" h="0">
                   <a:moveTo>
                     <a:pt x="0" y="0"/>
                   </a:moveTo>
                   <a:lnTo>
-                    <a:pt x="2078002" y="0"/>
-                  </a:lnTo>
-                  <a:lnTo>
-                    <a:pt x="2078002" y="0"/>
+                    <a:pt x="2079745" y="0"/>
+                  </a:lnTo>
+                  <a:lnTo>
+                    <a:pt x="2079745" y="0"/>
                   </a:lnTo>
                 </a:path>
               </a:pathLst>
@@ -3476,21 +3476,21 @@
           </p:nvSpPr>
           <p:spPr>
             <a:xfrm>
-              <a:off x="3462633" y="2190523"/>
-              <a:ext cx="2078002" cy="0"/>
+              <a:off x="3460890" y="2191216"/>
+              <a:ext cx="2079745" cy="0"/>
             </a:xfrm>
             <a:custGeom>
               <a:avLst/>
               <a:pathLst>
-                <a:path w="2078002" h="0">
+                <a:path w="2079745" h="0">
                   <a:moveTo>
                     <a:pt x="0" y="0"/>
                   </a:moveTo>
                   <a:lnTo>
-                    <a:pt x="2078002" y="0"/>
-                  </a:lnTo>
-                  <a:lnTo>
-                    <a:pt x="2078002" y="0"/>
+                    <a:pt x="2079745" y="0"/>
+                  </a:lnTo>
+                  <a:lnTo>
+                    <a:pt x="2079745" y="0"/>
                   </a:lnTo>
                 </a:path>
               </a:pathLst>
@@ -3519,15 +3519,15 @@
           </p:nvSpPr>
           <p:spPr>
             <a:xfrm>
-              <a:off x="3462633" y="2003481"/>
-              <a:ext cx="0" cy="997555"/>
+              <a:off x="3460890" y="2003481"/>
+              <a:ext cx="0" cy="1001252"/>
             </a:xfrm>
             <a:custGeom>
               <a:avLst/>
               <a:pathLst>
-                <a:path w="0" h="997555">
+                <a:path w="0" h="1001252">
                   <a:moveTo>
-                    <a:pt x="0" y="997555"/>
+                    <a:pt x="0" y="1001252"/>
                   </a:moveTo>
                   <a:lnTo>
                     <a:pt x="0" y="0"/>
@@ -3562,15 +3562,15 @@
           </p:nvSpPr>
           <p:spPr>
             <a:xfrm>
-              <a:off x="3999885" y="2003481"/>
-              <a:ext cx="0" cy="997555"/>
+              <a:off x="3998592" y="2003481"/>
+              <a:ext cx="0" cy="1001252"/>
             </a:xfrm>
             <a:custGeom>
               <a:avLst/>
               <a:pathLst>
-                <a:path w="0" h="997555">
+                <a:path w="0" h="1001252">
                   <a:moveTo>
-                    <a:pt x="0" y="997555"/>
+                    <a:pt x="0" y="1001252"/>
                   </a:moveTo>
                   <a:lnTo>
                     <a:pt x="0" y="0"/>
@@ -3605,15 +3605,15 @@
           </p:nvSpPr>
           <p:spPr>
             <a:xfrm>
-              <a:off x="4537136" y="2003481"/>
-              <a:ext cx="0" cy="997555"/>
+              <a:off x="4536294" y="2003481"/>
+              <a:ext cx="0" cy="1001252"/>
             </a:xfrm>
             <a:custGeom>
               <a:avLst/>
               <a:pathLst>
-                <a:path w="0" h="997555">
+                <a:path w="0" h="1001252">
                   <a:moveTo>
-                    <a:pt x="0" y="997555"/>
+                    <a:pt x="0" y="1001252"/>
                   </a:moveTo>
                   <a:lnTo>
                     <a:pt x="0" y="0"/>
@@ -3648,15 +3648,15 @@
           </p:nvSpPr>
           <p:spPr>
             <a:xfrm>
-              <a:off x="5074387" y="2003481"/>
-              <a:ext cx="0" cy="997555"/>
+              <a:off x="5073996" y="2003481"/>
+              <a:ext cx="0" cy="1001252"/>
             </a:xfrm>
             <a:custGeom>
               <a:avLst/>
               <a:pathLst>
-                <a:path w="0" h="997555">
+                <a:path w="0" h="1001252">
                   <a:moveTo>
-                    <a:pt x="0" y="997555"/>
+                    <a:pt x="0" y="1001252"/>
                   </a:moveTo>
                   <a:lnTo>
                     <a:pt x="0" y="0"/>
@@ -3691,8 +3691,8 @@
           </p:nvSpPr>
           <p:spPr>
             <a:xfrm>
-              <a:off x="3462633" y="2050241"/>
-              <a:ext cx="1040118" cy="280562"/>
+              <a:off x="3460890" y="2050415"/>
+              <a:ext cx="1040991" cy="281602"/>
             </a:xfrm>
             <a:prstGeom prst="rect">
               <a:avLst/>
@@ -3717,8 +3717,8 @@
           </p:nvSpPr>
           <p:spPr>
             <a:xfrm>
-              <a:off x="3462633" y="2361978"/>
-              <a:ext cx="1362469" cy="280562"/>
+              <a:off x="3460890" y="2363306"/>
+              <a:ext cx="1363612" cy="281602"/>
             </a:xfrm>
             <a:prstGeom prst="rect">
               <a:avLst/>
@@ -3743,8 +3743,8 @@
           </p:nvSpPr>
           <p:spPr>
             <a:xfrm>
-              <a:off x="3462633" y="2673714"/>
-              <a:ext cx="2037256" cy="280562"/>
+              <a:off x="3460890" y="2676198"/>
+              <a:ext cx="2038966" cy="281602"/>
             </a:xfrm>
             <a:prstGeom prst="rect">
               <a:avLst/>
@@ -3769,7 +3769,7 @@
           </p:nvSpPr>
           <p:spPr>
             <a:xfrm>
-              <a:off x="4298595" y="2138316"/>
+              <a:off x="4297704" y="2139009"/>
               <a:ext cx="58066" cy="74581"/>
             </a:xfrm>
             <a:custGeom>
@@ -3833,7 +3833,7 @@
           </p:nvSpPr>
           <p:spPr>
             <a:xfrm>
-              <a:off x="4310717" y="2151882"/>
+              <a:off x="4309825" y="2152575"/>
               <a:ext cx="22263" cy="34760"/>
             </a:xfrm>
             <a:custGeom>
@@ -4110,7 +4110,7 @@
           </p:nvSpPr>
           <p:spPr>
             <a:xfrm>
-              <a:off x="4360685" y="2137204"/>
+              <a:off x="4359793" y="2137897"/>
               <a:ext cx="53514" cy="76751"/>
             </a:xfrm>
             <a:custGeom>
@@ -5107,7 +5107,7 @@
           </p:nvSpPr>
           <p:spPr>
             <a:xfrm>
-              <a:off x="4377623" y="2147632"/>
+              <a:off x="4376731" y="2148325"/>
               <a:ext cx="19426" cy="20908"/>
             </a:xfrm>
             <a:custGeom>
@@ -5618,7 +5618,7 @@
           </p:nvSpPr>
           <p:spPr>
             <a:xfrm>
-              <a:off x="4375982" y="2178968"/>
+              <a:off x="4375090" y="2179661"/>
               <a:ext cx="22813" cy="24507"/>
             </a:xfrm>
             <a:custGeom>
@@ -6129,7 +6129,7 @@
           </p:nvSpPr>
           <p:spPr>
             <a:xfrm>
-              <a:off x="4419175" y="2138316"/>
+              <a:off x="4418283" y="2139009"/>
               <a:ext cx="58066" cy="74581"/>
             </a:xfrm>
             <a:custGeom>
@@ -6193,7 +6193,7 @@
           </p:nvSpPr>
           <p:spPr>
             <a:xfrm>
-              <a:off x="4431296" y="2151882"/>
+              <a:off x="4430404" y="2152575"/>
               <a:ext cx="22263" cy="34760"/>
             </a:xfrm>
             <a:custGeom>
@@ -6470,7 +6470,7 @@
           </p:nvSpPr>
           <p:spPr>
             <a:xfrm>
-              <a:off x="4623275" y="2448940"/>
+              <a:off x="4622654" y="2450789"/>
               <a:ext cx="52402" cy="76751"/>
             </a:xfrm>
             <a:custGeom>
@@ -7164,7 +7164,7 @@
           </p:nvSpPr>
           <p:spPr>
             <a:xfrm>
-              <a:off x="4638890" y="2487581"/>
+              <a:off x="4638269" y="2489429"/>
               <a:ext cx="21860" cy="26518"/>
             </a:xfrm>
             <a:custGeom>
@@ -7615,7 +7615,7 @@
           </p:nvSpPr>
           <p:spPr>
             <a:xfrm>
-              <a:off x="4682083" y="2448940"/>
+              <a:off x="4681461" y="2450789"/>
               <a:ext cx="53884" cy="76910"/>
             </a:xfrm>
             <a:custGeom>
@@ -8924,7 +8924,7 @@
           </p:nvSpPr>
           <p:spPr>
             <a:xfrm>
-              <a:off x="4741525" y="2450052"/>
+              <a:off x="4740904" y="2451901"/>
               <a:ext cx="58066" cy="74581"/>
             </a:xfrm>
             <a:custGeom>
@@ -8988,7 +8988,7 @@
           </p:nvSpPr>
           <p:spPr>
             <a:xfrm>
-              <a:off x="4753647" y="2463618"/>
+              <a:off x="4753026" y="2465467"/>
               <a:ext cx="22263" cy="34760"/>
             </a:xfrm>
             <a:custGeom>
@@ -9265,7 +9265,7 @@
           </p:nvSpPr>
           <p:spPr>
             <a:xfrm>
-              <a:off x="5297851" y="2760677"/>
+              <a:off x="5297796" y="2763680"/>
               <a:ext cx="52508" cy="76751"/>
             </a:xfrm>
             <a:custGeom>
@@ -10139,7 +10139,7 @@
           </p:nvSpPr>
           <p:spPr>
             <a:xfrm>
-              <a:off x="5312937" y="2772322"/>
+              <a:off x="5312882" y="2775326"/>
               <a:ext cx="21702" cy="27101"/>
             </a:xfrm>
             <a:custGeom>
@@ -10650,7 +10650,7 @@
           </p:nvSpPr>
           <p:spPr>
             <a:xfrm>
-              <a:off x="5356023" y="2761788"/>
+              <a:off x="5355968" y="2764792"/>
               <a:ext cx="58066" cy="74581"/>
             </a:xfrm>
             <a:custGeom>
@@ -10714,7 +10714,7 @@
           </p:nvSpPr>
           <p:spPr>
             <a:xfrm>
-              <a:off x="5368145" y="2775355"/>
+              <a:off x="5368090" y="2778359"/>
               <a:ext cx="22263" cy="34760"/>
             </a:xfrm>
             <a:custGeom>
@@ -10991,7 +10991,7 @@
           </p:nvSpPr>
           <p:spPr>
             <a:xfrm>
-              <a:off x="5418113" y="2760677"/>
+              <a:off x="5418058" y="2763680"/>
               <a:ext cx="53514" cy="76751"/>
             </a:xfrm>
             <a:custGeom>
@@ -11988,7 +11988,7 @@
           </p:nvSpPr>
           <p:spPr>
             <a:xfrm>
-              <a:off x="5435051" y="2771104"/>
+              <a:off x="5434996" y="2774108"/>
               <a:ext cx="19426" cy="20908"/>
             </a:xfrm>
             <a:custGeom>
@@ -12499,7 +12499,7 @@
           </p:nvSpPr>
           <p:spPr>
             <a:xfrm>
-              <a:off x="5433410" y="2802440"/>
+              <a:off x="5433355" y="2805444"/>
               <a:ext cx="22813" cy="24507"/>
             </a:xfrm>
             <a:custGeom>
@@ -13010,8 +13010,8 @@
           </p:nvSpPr>
           <p:spPr>
             <a:xfrm>
-              <a:off x="3462633" y="2003481"/>
-              <a:ext cx="2078002" cy="997555"/>
+              <a:off x="3460890" y="2003481"/>
+              <a:ext cx="2079745" cy="1001252"/>
             </a:xfrm>
             <a:prstGeom prst="rect">
               <a:avLst/>
@@ -13040,7 +13040,7 @@
           </p:nvSpPr>
           <p:spPr>
             <a:xfrm>
-              <a:off x="2190675" y="2650811"/>
+              <a:off x="2188932" y="2653815"/>
               <a:ext cx="57353" cy="82019"/>
             </a:xfrm>
             <a:custGeom>
@@ -13857,7 +13857,7 @@
           </p:nvSpPr>
           <p:spPr>
             <a:xfrm>
-              <a:off x="2259270" y="2718096"/>
+              <a:off x="2257527" y="2721100"/>
               <a:ext cx="13860" cy="15225"/>
             </a:xfrm>
             <a:custGeom>
@@ -14368,7 +14368,7 @@
           </p:nvSpPr>
           <p:spPr>
             <a:xfrm>
-              <a:off x="2315041" y="2646609"/>
+              <a:off x="2313298" y="2649613"/>
               <a:ext cx="98226" cy="95170"/>
             </a:xfrm>
             <a:custGeom>
@@ -14457,7 +14457,7 @@
                     <a:pt x="6548" y="69413"/>
                   </a:lnTo>
                   <a:lnTo>
-                    <a:pt x="0" y="62864"/>
+                    <a:pt x="0" y="62865"/>
                   </a:lnTo>
                   <a:lnTo>
                     <a:pt x="5775" y="58708"/>
@@ -14516,7 +14516,7 @@
           </p:nvSpPr>
           <p:spPr>
             <a:xfrm>
-              <a:off x="2374414" y="2674113"/>
+              <a:off x="2372670" y="2677117"/>
               <a:ext cx="42783" cy="42346"/>
             </a:xfrm>
             <a:custGeom>
@@ -14613,7 +14613,7 @@
           </p:nvSpPr>
           <p:spPr>
             <a:xfrm>
-              <a:off x="2427674" y="2641371"/>
+              <a:off x="2425931" y="2644375"/>
               <a:ext cx="40163" cy="100845"/>
             </a:xfrm>
             <a:custGeom>
@@ -14846,10 +14846,10 @@
                     <a:pt x="10289" y="31074"/>
                   </a:lnTo>
                   <a:lnTo>
-                    <a:pt x="10914" y="27939"/>
-                  </a:lnTo>
-                  <a:lnTo>
-                    <a:pt x="0" y="27939"/>
+                    <a:pt x="10914" y="27940"/>
+                  </a:lnTo>
+                  <a:lnTo>
+                    <a:pt x="0" y="27940"/>
                   </a:lnTo>
                   <a:lnTo>
                     <a:pt x="0" y="19645"/>
@@ -14881,7 +14881,7 @@
           </p:nvSpPr>
           <p:spPr>
             <a:xfrm>
-              <a:off x="2440334" y="2669311"/>
+              <a:off x="2438591" y="2672315"/>
               <a:ext cx="16589" cy="37544"/>
             </a:xfrm>
             <a:custGeom>
@@ -14904,7 +14904,7 @@
                     <a:pt x="13288" y="24622"/>
                   </a:lnTo>
                   <a:lnTo>
-                    <a:pt x="14079" y="20955"/>
+                    <a:pt x="14079" y="20954"/>
                   </a:lnTo>
                   <a:lnTo>
                     <a:pt x="14773" y="17113"/>
@@ -14952,7 +14952,7 @@
                     <a:pt x="698" y="25381"/>
                   </a:lnTo>
                   <a:lnTo>
-                    <a:pt x="0" y="27940"/>
+                    <a:pt x="0" y="27939"/>
                   </a:lnTo>
                   <a:lnTo>
                     <a:pt x="956" y="28900"/>
@@ -15005,7 +15005,7 @@
           </p:nvSpPr>
           <p:spPr>
             <a:xfrm>
-              <a:off x="2465219" y="2645300"/>
+              <a:off x="2463475" y="2648304"/>
               <a:ext cx="63301" cy="96480"/>
             </a:xfrm>
             <a:custGeom>
@@ -15291,7 +15291,7 @@
           </p:nvSpPr>
           <p:spPr>
             <a:xfrm>
-              <a:off x="2575232" y="2641371"/>
+              <a:off x="2573489" y="2644375"/>
               <a:ext cx="61991" cy="100409"/>
             </a:xfrm>
             <a:custGeom>
@@ -15697,7 +15697,7 @@
           </p:nvSpPr>
           <p:spPr>
             <a:xfrm>
-              <a:off x="2592258" y="2657087"/>
+              <a:off x="2590515" y="2660091"/>
               <a:ext cx="23574" cy="9604"/>
             </a:xfrm>
             <a:custGeom>
@@ -15794,7 +15794,7 @@
           </p:nvSpPr>
           <p:spPr>
             <a:xfrm>
-              <a:off x="2592695" y="2674549"/>
+              <a:off x="2590951" y="2677553"/>
               <a:ext cx="13096" cy="12223"/>
             </a:xfrm>
             <a:custGeom>
@@ -15837,7 +15837,7 @@
           </p:nvSpPr>
           <p:spPr>
             <a:xfrm>
-              <a:off x="2614086" y="2674549"/>
+              <a:off x="2612343" y="2677553"/>
               <a:ext cx="14843" cy="12223"/>
             </a:xfrm>
             <a:custGeom>
@@ -15880,7 +15880,7 @@
           </p:nvSpPr>
           <p:spPr>
             <a:xfrm>
-              <a:off x="2592695" y="2694631"/>
+              <a:off x="2590951" y="2697635"/>
               <a:ext cx="13096" cy="12660"/>
             </a:xfrm>
             <a:custGeom>
@@ -15926,7 +15926,7 @@
           </p:nvSpPr>
           <p:spPr>
             <a:xfrm>
-              <a:off x="2614086" y="2694631"/>
+              <a:off x="2612343" y="2697635"/>
               <a:ext cx="14843" cy="12660"/>
             </a:xfrm>
             <a:custGeom>
@@ -15969,7 +15969,7 @@
           </p:nvSpPr>
           <p:spPr>
             <a:xfrm>
-              <a:off x="2538124" y="2648356"/>
+              <a:off x="2536381" y="2651360"/>
               <a:ext cx="42783" cy="89931"/>
             </a:xfrm>
             <a:custGeom>
@@ -16132,7 +16132,7 @@
           </p:nvSpPr>
           <p:spPr>
             <a:xfrm>
-              <a:off x="2558206" y="2690702"/>
+              <a:off x="2556463" y="2693706"/>
               <a:ext cx="10040" cy="29686"/>
             </a:xfrm>
             <a:custGeom>
@@ -16175,7 +16175,7 @@
           </p:nvSpPr>
           <p:spPr>
             <a:xfrm>
-              <a:off x="2659925" y="2641371"/>
+              <a:off x="2658182" y="2644375"/>
               <a:ext cx="20081" cy="23137"/>
             </a:xfrm>
             <a:custGeom>
@@ -16272,7 +16272,7 @@
           </p:nvSpPr>
           <p:spPr>
             <a:xfrm>
-              <a:off x="2651194" y="2673676"/>
+              <a:off x="2649451" y="2676680"/>
               <a:ext cx="38417" cy="62428"/>
             </a:xfrm>
             <a:custGeom>
@@ -16295,7 +16295,7 @@
                     <a:pt x="38417" y="45839"/>
                   </a:lnTo>
                   <a:lnTo>
-                    <a:pt x="37151" y="47498"/>
+                    <a:pt x="37151" y="47497"/>
                   </a:lnTo>
                   <a:lnTo>
                     <a:pt x="35798" y="49156"/>
@@ -16357,7 +16357,7 @@
           </p:nvSpPr>
           <p:spPr>
             <a:xfrm>
-              <a:off x="2682190" y="2641371"/>
+              <a:off x="2680447" y="2644375"/>
               <a:ext cx="70286" cy="101282"/>
             </a:xfrm>
             <a:custGeom>
@@ -16640,7 +16640,7 @@
           </p:nvSpPr>
           <p:spPr>
             <a:xfrm>
-              <a:off x="2775614" y="2715150"/>
+              <a:off x="2773871" y="2718154"/>
               <a:ext cx="17899" cy="30122"/>
             </a:xfrm>
             <a:custGeom>
@@ -16692,7 +16692,7 @@
           </p:nvSpPr>
           <p:spPr>
             <a:xfrm>
-              <a:off x="2873841" y="2691575"/>
+              <a:off x="2872098" y="2694579"/>
               <a:ext cx="100845" cy="50641"/>
             </a:xfrm>
             <a:custGeom>
@@ -16820,7 +16820,7 @@
                     <a:pt x="6111" y="50641"/>
                   </a:lnTo>
                   <a:lnTo>
-                    <a:pt x="1309" y="41909"/>
+                    <a:pt x="1309" y="41910"/>
                   </a:lnTo>
                   <a:lnTo>
                     <a:pt x="5941" y="41534"/>
@@ -16939,7 +16939,7 @@
           </p:nvSpPr>
           <p:spPr>
             <a:xfrm>
-              <a:off x="2904400" y="2706855"/>
+              <a:off x="2902657" y="2709859"/>
               <a:ext cx="40163" cy="16152"/>
             </a:xfrm>
             <a:custGeom>
@@ -16974,7 +16974,7 @@
                     <a:pt x="37893" y="3719"/>
                   </a:lnTo>
                   <a:lnTo>
-                    <a:pt x="39116" y="1890"/>
+                    <a:pt x="39115" y="1890"/>
                   </a:lnTo>
                   <a:lnTo>
                     <a:pt x="40163" y="0"/>
@@ -17036,7 +17036,7 @@
           </p:nvSpPr>
           <p:spPr>
             <a:xfrm>
-              <a:off x="2877770" y="2644427"/>
+              <a:off x="2876027" y="2647430"/>
               <a:ext cx="94297" cy="44529"/>
             </a:xfrm>
             <a:custGeom>
@@ -17103,7 +17103,7 @@
           </p:nvSpPr>
           <p:spPr>
             <a:xfrm>
-              <a:off x="2916624" y="2652721"/>
+              <a:off x="2914881" y="2655725"/>
               <a:ext cx="17462" cy="8731"/>
             </a:xfrm>
             <a:custGeom>
@@ -17146,7 +17146,7 @@
           </p:nvSpPr>
           <p:spPr>
             <a:xfrm>
-              <a:off x="2891740" y="2668874"/>
+              <a:off x="2889997" y="2671878"/>
               <a:ext cx="17025" cy="12660"/>
             </a:xfrm>
             <a:custGeom>
@@ -17189,7 +17189,7 @@
           </p:nvSpPr>
           <p:spPr>
             <a:xfrm>
-              <a:off x="2916624" y="2668874"/>
+              <a:off x="2914881" y="2671878"/>
               <a:ext cx="17462" cy="12660"/>
             </a:xfrm>
             <a:custGeom>
@@ -17232,7 +17232,7 @@
           </p:nvSpPr>
           <p:spPr>
             <a:xfrm>
-              <a:off x="2941945" y="2668874"/>
+              <a:off x="2940201" y="2671878"/>
               <a:ext cx="16152" cy="12660"/>
             </a:xfrm>
             <a:custGeom>
@@ -17275,7 +17275,7 @@
           </p:nvSpPr>
           <p:spPr>
             <a:xfrm>
-              <a:off x="2985164" y="2642680"/>
+              <a:off x="2983421" y="2645684"/>
               <a:ext cx="99536" cy="99099"/>
             </a:xfrm>
             <a:custGeom>
@@ -17286,7 +17286,7 @@
                     <a:pt x="92551" y="0"/>
                   </a:moveTo>
                   <a:lnTo>
-                    <a:pt x="96043" y="6984"/>
+                    <a:pt x="96043" y="6985"/>
                   </a:lnTo>
                   <a:lnTo>
                     <a:pt x="91996" y="7242"/>
@@ -17439,7 +17439,7 @@
                     <a:pt x="8512" y="52985"/>
                   </a:lnTo>
                   <a:lnTo>
-                    <a:pt x="11176" y="51025"/>
+                    <a:pt x="11175" y="51025"/>
                   </a:lnTo>
                   <a:lnTo>
                     <a:pt x="13751" y="49004"/>
@@ -17540,7 +17540,7 @@
           </p:nvSpPr>
           <p:spPr>
             <a:xfrm>
-              <a:off x="3018343" y="2694631"/>
+              <a:off x="3016600" y="2697635"/>
               <a:ext cx="50641" cy="6548"/>
             </a:xfrm>
             <a:custGeom>
@@ -17583,7 +17583,7 @@
           </p:nvSpPr>
           <p:spPr>
             <a:xfrm>
-              <a:off x="3018343" y="2709038"/>
+              <a:off x="3016600" y="2712042"/>
               <a:ext cx="50641" cy="6548"/>
             </a:xfrm>
             <a:custGeom>
@@ -17626,7 +17626,7 @@
           </p:nvSpPr>
           <p:spPr>
             <a:xfrm>
-              <a:off x="3018343" y="2723444"/>
+              <a:off x="3016600" y="2726448"/>
               <a:ext cx="50641" cy="6548"/>
             </a:xfrm>
             <a:custGeom>
@@ -17669,7 +17669,7 @@
           </p:nvSpPr>
           <p:spPr>
             <a:xfrm>
-              <a:off x="3108275" y="2654031"/>
+              <a:off x="3106532" y="2657035"/>
               <a:ext cx="79890" cy="8294"/>
             </a:xfrm>
             <a:custGeom>
@@ -17712,7 +17712,7 @@
           </p:nvSpPr>
           <p:spPr>
             <a:xfrm>
-              <a:off x="3098671" y="2723444"/>
+              <a:off x="3096927" y="2726448"/>
               <a:ext cx="99099" cy="8294"/>
             </a:xfrm>
             <a:custGeom>
@@ -17755,7 +17755,7 @@
           </p:nvSpPr>
           <p:spPr>
             <a:xfrm>
-              <a:off x="3247975" y="2640934"/>
+              <a:off x="3246232" y="2643938"/>
               <a:ext cx="63301" cy="100845"/>
             </a:xfrm>
             <a:custGeom>
@@ -17817,7 +17817,7 @@
                     <a:pt x="6482" y="20933"/>
                   </a:lnTo>
                   <a:lnTo>
-                    <a:pt x="8381" y="18073"/>
+                    <a:pt x="8382" y="18073"/>
                   </a:lnTo>
                   <a:lnTo>
                     <a:pt x="10150" y="15170"/>
@@ -18005,7 +18005,7 @@
           </p:nvSpPr>
           <p:spPr>
             <a:xfrm>
-              <a:off x="3266747" y="2667564"/>
+              <a:off x="3265004" y="2670568"/>
               <a:ext cx="15716" cy="14406"/>
             </a:xfrm>
             <a:custGeom>
@@ -18048,7 +18048,7 @@
           </p:nvSpPr>
           <p:spPr>
             <a:xfrm>
-              <a:off x="3266747" y="2689392"/>
+              <a:off x="3265004" y="2692396"/>
               <a:ext cx="15716" cy="14843"/>
             </a:xfrm>
             <a:custGeom>
@@ -18091,7 +18091,7 @@
           </p:nvSpPr>
           <p:spPr>
             <a:xfrm>
-              <a:off x="3266747" y="2712094"/>
+              <a:off x="3265004" y="2715098"/>
               <a:ext cx="15716" cy="14406"/>
             </a:xfrm>
             <a:custGeom>
@@ -18134,7 +18134,7 @@
           </p:nvSpPr>
           <p:spPr>
             <a:xfrm>
-              <a:off x="3210867" y="2641371"/>
+              <a:off x="3209124" y="2644375"/>
               <a:ext cx="38417" cy="69413"/>
             </a:xfrm>
             <a:custGeom>
@@ -18423,7 +18423,7 @@
           </p:nvSpPr>
           <p:spPr>
             <a:xfrm>
-              <a:off x="3209994" y="2714713"/>
+              <a:off x="3208251" y="2717717"/>
               <a:ext cx="38417" cy="17899"/>
             </a:xfrm>
             <a:custGeom>
@@ -18520,7 +18520,7 @@
           </p:nvSpPr>
           <p:spPr>
             <a:xfrm>
-              <a:off x="3320444" y="2648356"/>
+              <a:off x="3318701" y="2651360"/>
               <a:ext cx="42783" cy="89931"/>
             </a:xfrm>
             <a:custGeom>
@@ -18683,7 +18683,7 @@
           </p:nvSpPr>
           <p:spPr>
             <a:xfrm>
-              <a:off x="3340526" y="2690702"/>
+              <a:off x="3338783" y="2693706"/>
               <a:ext cx="10040" cy="29686"/>
             </a:xfrm>
             <a:custGeom>
@@ -18726,7 +18726,7 @@
           </p:nvSpPr>
           <p:spPr>
             <a:xfrm>
-              <a:off x="3366720" y="2645300"/>
+              <a:off x="3364977" y="2648304"/>
               <a:ext cx="53697" cy="96916"/>
             </a:xfrm>
             <a:custGeom>
@@ -18946,7 +18946,7 @@
           </p:nvSpPr>
           <p:spPr>
             <a:xfrm>
-              <a:off x="3363664" y="2711221"/>
+              <a:off x="3361921" y="2714225"/>
               <a:ext cx="40163" cy="8294"/>
             </a:xfrm>
             <a:custGeom>
@@ -18989,7 +18989,7 @@
           </p:nvSpPr>
           <p:spPr>
             <a:xfrm>
-              <a:off x="2315478" y="2765127"/>
+              <a:off x="2313734" y="2768131"/>
               <a:ext cx="100845" cy="76398"/>
             </a:xfrm>
             <a:custGeom>
@@ -19044,7 +19044,7 @@
           </p:nvSpPr>
           <p:spPr>
             <a:xfrm>
-              <a:off x="2340798" y="2773422"/>
+              <a:off x="2339055" y="2776426"/>
               <a:ext cx="50641" cy="9604"/>
             </a:xfrm>
             <a:custGeom>
@@ -19087,7 +19087,7 @@
           </p:nvSpPr>
           <p:spPr>
             <a:xfrm>
-              <a:off x="2340798" y="2790448"/>
+              <a:off x="2339055" y="2793452"/>
               <a:ext cx="50641" cy="9167"/>
             </a:xfrm>
             <a:custGeom>
@@ -19130,7 +19130,7 @@
           </p:nvSpPr>
           <p:spPr>
             <a:xfrm>
-              <a:off x="2340798" y="2807037"/>
+              <a:off x="2339055" y="2810041"/>
               <a:ext cx="50641" cy="9604"/>
             </a:xfrm>
             <a:custGeom>
@@ -19173,7 +19173,7 @@
           </p:nvSpPr>
           <p:spPr>
             <a:xfrm>
-              <a:off x="2340798" y="2824063"/>
+              <a:off x="2339055" y="2827067"/>
               <a:ext cx="50641" cy="9167"/>
             </a:xfrm>
             <a:custGeom>
@@ -19216,7 +19216,7 @@
           </p:nvSpPr>
           <p:spPr>
             <a:xfrm>
-              <a:off x="2318097" y="2842399"/>
+              <a:off x="2316353" y="2845403"/>
               <a:ext cx="37980" cy="20955"/>
             </a:xfrm>
             <a:custGeom>
@@ -19313,7 +19313,7 @@
           </p:nvSpPr>
           <p:spPr>
             <a:xfrm>
-              <a:off x="2372231" y="2842835"/>
+              <a:off x="2370487" y="2845839"/>
               <a:ext cx="40600" cy="20081"/>
             </a:xfrm>
             <a:custGeom>
@@ -19410,7 +19410,7 @@
           </p:nvSpPr>
           <p:spPr>
             <a:xfrm>
-              <a:off x="2426364" y="2762071"/>
+              <a:off x="2424621" y="2765075"/>
               <a:ext cx="31869" cy="100409"/>
             </a:xfrm>
             <a:custGeom>
@@ -19546,7 +19546,7 @@
           </p:nvSpPr>
           <p:spPr>
             <a:xfrm>
-              <a:off x="2452122" y="2762071"/>
+              <a:off x="2450378" y="2765075"/>
               <a:ext cx="76835" cy="100845"/>
             </a:xfrm>
             <a:custGeom>
@@ -19763,7 +19763,7 @@
           </p:nvSpPr>
           <p:spPr>
             <a:xfrm>
-              <a:off x="2580471" y="2762508"/>
+              <a:off x="2578728" y="2765512"/>
               <a:ext cx="56316" cy="99972"/>
             </a:xfrm>
             <a:custGeom>
@@ -20079,7 +20079,7 @@
           </p:nvSpPr>
           <p:spPr>
             <a:xfrm>
-              <a:off x="2594878" y="2805728"/>
+              <a:off x="2593134" y="2808732"/>
               <a:ext cx="19208" cy="25320"/>
             </a:xfrm>
             <a:custGeom>
@@ -20176,7 +20176,7 @@
           </p:nvSpPr>
           <p:spPr>
             <a:xfrm>
-              <a:off x="2542927" y="2762071"/>
+              <a:off x="2541183" y="2765075"/>
               <a:ext cx="35798" cy="96480"/>
             </a:xfrm>
             <a:custGeom>
@@ -20297,7 +20297,7 @@
           </p:nvSpPr>
           <p:spPr>
             <a:xfrm>
-              <a:off x="2550785" y="2784773"/>
+              <a:off x="2549041" y="2787777"/>
               <a:ext cx="20081" cy="25320"/>
             </a:xfrm>
             <a:custGeom>
@@ -20340,7 +20340,7 @@
           </p:nvSpPr>
           <p:spPr>
             <a:xfrm>
-              <a:off x="2550785" y="2818388"/>
+              <a:off x="2549041" y="2821392"/>
               <a:ext cx="20081" cy="25320"/>
             </a:xfrm>
             <a:custGeom>
@@ -20383,7 +20383,7 @@
           </p:nvSpPr>
           <p:spPr>
             <a:xfrm>
-              <a:off x="2650321" y="2766437"/>
+              <a:off x="2648578" y="2769441"/>
               <a:ext cx="58062" cy="96043"/>
             </a:xfrm>
             <a:custGeom>
@@ -20534,7 +20534,7 @@
           </p:nvSpPr>
           <p:spPr>
             <a:xfrm>
-              <a:off x="2673022" y="2774732"/>
+              <a:off x="2671279" y="2777736"/>
               <a:ext cx="14843" cy="33178"/>
             </a:xfrm>
             <a:custGeom>
@@ -20577,7 +20577,7 @@
           </p:nvSpPr>
           <p:spPr>
             <a:xfrm>
-              <a:off x="2707947" y="2762945"/>
+              <a:off x="2706204" y="2765948"/>
               <a:ext cx="37980" cy="34925"/>
             </a:xfrm>
             <a:custGeom>
@@ -20674,7 +20674,7 @@
           </p:nvSpPr>
           <p:spPr>
             <a:xfrm>
-              <a:off x="2710130" y="2792194"/>
+              <a:off x="2708387" y="2795198"/>
               <a:ext cx="37980" cy="33615"/>
             </a:xfrm>
             <a:custGeom>
@@ -20771,7 +20771,7 @@
           </p:nvSpPr>
           <p:spPr>
             <a:xfrm>
-              <a:off x="2704891" y="2820134"/>
+              <a:off x="2703148" y="2823138"/>
               <a:ext cx="47585" cy="41909"/>
             </a:xfrm>
             <a:custGeom>
@@ -20868,7 +20868,7 @@
           </p:nvSpPr>
           <p:spPr>
             <a:xfrm>
-              <a:off x="2765137" y="2762071"/>
+              <a:off x="2763393" y="2765075"/>
               <a:ext cx="97789" cy="100409"/>
             </a:xfrm>
             <a:custGeom>
@@ -21193,7 +21193,7 @@
           </p:nvSpPr>
           <p:spPr>
             <a:xfrm>
-              <a:off x="2836733" y="2762071"/>
+              <a:off x="2834990" y="2765075"/>
               <a:ext cx="18772" cy="16589"/>
             </a:xfrm>
             <a:custGeom>
@@ -21290,7 +21290,7 @@
           </p:nvSpPr>
           <p:spPr>
             <a:xfrm>
-              <a:off x="2765137" y="2807037"/>
+              <a:off x="2763393" y="2810041"/>
               <a:ext cx="53697" cy="49768"/>
             </a:xfrm>
             <a:custGeom>
@@ -21438,7 +21438,7 @@
           </p:nvSpPr>
           <p:spPr>
             <a:xfrm>
-              <a:off x="2887374" y="2835850"/>
+              <a:off x="2885631" y="2838854"/>
               <a:ext cx="17899" cy="30122"/>
             </a:xfrm>
             <a:custGeom>
@@ -21490,7 +21490,7 @@
           </p:nvSpPr>
           <p:spPr>
             <a:xfrm>
-              <a:off x="2988220" y="2763818"/>
+              <a:off x="2986477" y="2766822"/>
               <a:ext cx="96916" cy="46275"/>
             </a:xfrm>
             <a:custGeom>
@@ -21581,7 +21581,7 @@
           </p:nvSpPr>
           <p:spPr>
             <a:xfrm>
-              <a:off x="3001317" y="2790448"/>
+              <a:off x="2999574" y="2793452"/>
               <a:ext cx="26630" cy="6985"/>
             </a:xfrm>
             <a:custGeom>
@@ -21624,7 +21624,7 @@
           </p:nvSpPr>
           <p:spPr>
             <a:xfrm>
-              <a:off x="3045410" y="2790448"/>
+              <a:off x="3043667" y="2793452"/>
               <a:ext cx="26630" cy="6985"/>
             </a:xfrm>
             <a:custGeom>
@@ -21667,7 +21667,7 @@
           </p:nvSpPr>
           <p:spPr>
             <a:xfrm>
-              <a:off x="3000881" y="2802672"/>
+              <a:off x="2999137" y="2805676"/>
               <a:ext cx="26630" cy="6548"/>
             </a:xfrm>
             <a:custGeom>
@@ -21710,7 +21710,7 @@
           </p:nvSpPr>
           <p:spPr>
             <a:xfrm>
-              <a:off x="3044974" y="2802672"/>
+              <a:off x="3043230" y="2805676"/>
               <a:ext cx="26630" cy="6548"/>
             </a:xfrm>
             <a:custGeom>
@@ -21753,7 +21753,7 @@
           </p:nvSpPr>
           <p:spPr>
             <a:xfrm>
-              <a:off x="2990403" y="2814895"/>
+              <a:off x="2988660" y="2817899"/>
               <a:ext cx="92551" cy="48021"/>
             </a:xfrm>
             <a:custGeom>
@@ -22036,7 +22036,7 @@
           </p:nvSpPr>
           <p:spPr>
             <a:xfrm>
-              <a:off x="3097361" y="2812276"/>
+              <a:off x="3095618" y="2815280"/>
               <a:ext cx="100845" cy="50641"/>
             </a:xfrm>
             <a:custGeom>
@@ -22283,7 +22283,7 @@
           </p:nvSpPr>
           <p:spPr>
             <a:xfrm>
-              <a:off x="3127920" y="2827556"/>
+              <a:off x="3126177" y="2830560"/>
               <a:ext cx="40163" cy="16152"/>
             </a:xfrm>
             <a:custGeom>
@@ -22342,7 +22342,7 @@
                     <a:pt x="5238" y="6111"/>
                   </a:lnTo>
                   <a:lnTo>
-                    <a:pt x="4190" y="7229"/>
+                    <a:pt x="4191" y="7229"/>
                   </a:lnTo>
                   <a:lnTo>
                     <a:pt x="3143" y="8312"/>
@@ -22380,7 +22380,7 @@
           </p:nvSpPr>
           <p:spPr>
             <a:xfrm>
-              <a:off x="3101290" y="2765127"/>
+              <a:off x="3099547" y="2768131"/>
               <a:ext cx="94297" cy="44529"/>
             </a:xfrm>
             <a:custGeom>
@@ -22447,7 +22447,7 @@
           </p:nvSpPr>
           <p:spPr>
             <a:xfrm>
-              <a:off x="3140144" y="2773422"/>
+              <a:off x="3138401" y="2776426"/>
               <a:ext cx="17462" cy="8731"/>
             </a:xfrm>
             <a:custGeom>
@@ -22490,7 +22490,7 @@
           </p:nvSpPr>
           <p:spPr>
             <a:xfrm>
-              <a:off x="3115260" y="2789575"/>
+              <a:off x="3113517" y="2792579"/>
               <a:ext cx="17025" cy="12660"/>
             </a:xfrm>
             <a:custGeom>
@@ -22533,7 +22533,7 @@
           </p:nvSpPr>
           <p:spPr>
             <a:xfrm>
-              <a:off x="3140144" y="2789575"/>
+              <a:off x="3138401" y="2792579"/>
               <a:ext cx="17462" cy="12660"/>
             </a:xfrm>
             <a:custGeom>
@@ -22576,7 +22576,7 @@
           </p:nvSpPr>
           <p:spPr>
             <a:xfrm>
-              <a:off x="3165465" y="2789575"/>
+              <a:off x="3163721" y="2792579"/>
               <a:ext cx="16152" cy="12660"/>
             </a:xfrm>
             <a:custGeom>
@@ -22619,7 +22619,7 @@
           </p:nvSpPr>
           <p:spPr>
             <a:xfrm>
-              <a:off x="3209558" y="2765127"/>
+              <a:off x="3207814" y="2768131"/>
               <a:ext cx="100845" cy="76398"/>
             </a:xfrm>
             <a:custGeom>
@@ -22674,7 +22674,7 @@
           </p:nvSpPr>
           <p:spPr>
             <a:xfrm>
-              <a:off x="3234878" y="2773422"/>
+              <a:off x="3233135" y="2776426"/>
               <a:ext cx="50641" cy="9604"/>
             </a:xfrm>
             <a:custGeom>
@@ -22717,7 +22717,7 @@
           </p:nvSpPr>
           <p:spPr>
             <a:xfrm>
-              <a:off x="3234878" y="2790448"/>
+              <a:off x="3233135" y="2793452"/>
               <a:ext cx="50641" cy="9167"/>
             </a:xfrm>
             <a:custGeom>
@@ -22760,7 +22760,7 @@
           </p:nvSpPr>
           <p:spPr>
             <a:xfrm>
-              <a:off x="3234878" y="2807037"/>
+              <a:off x="3233135" y="2810041"/>
               <a:ext cx="50641" cy="9604"/>
             </a:xfrm>
             <a:custGeom>
@@ -22803,7 +22803,7 @@
           </p:nvSpPr>
           <p:spPr>
             <a:xfrm>
-              <a:off x="3234878" y="2824063"/>
+              <a:off x="3233135" y="2827067"/>
               <a:ext cx="50641" cy="9167"/>
             </a:xfrm>
             <a:custGeom>
@@ -22846,7 +22846,7 @@
           </p:nvSpPr>
           <p:spPr>
             <a:xfrm>
-              <a:off x="3212177" y="2842399"/>
+              <a:off x="3210433" y="2845403"/>
               <a:ext cx="37980" cy="20955"/>
             </a:xfrm>
             <a:custGeom>
@@ -22943,7 +22943,7 @@
           </p:nvSpPr>
           <p:spPr>
             <a:xfrm>
-              <a:off x="3266311" y="2842835"/>
+              <a:off x="3264567" y="2845839"/>
               <a:ext cx="40600" cy="20081"/>
             </a:xfrm>
             <a:custGeom>
@@ -23040,7 +23040,7 @@
           </p:nvSpPr>
           <p:spPr>
             <a:xfrm>
-              <a:off x="3320444" y="2762071"/>
+              <a:off x="3318701" y="2765075"/>
               <a:ext cx="31869" cy="100409"/>
             </a:xfrm>
             <a:custGeom>
@@ -23176,13 +23176,13 @@
           </p:nvSpPr>
           <p:spPr>
             <a:xfrm>
-              <a:off x="3346202" y="2762071"/>
-              <a:ext cx="76834" cy="100845"/>
+              <a:off x="3344458" y="2765075"/>
+              <a:ext cx="76835" cy="100845"/>
             </a:xfrm>
             <a:custGeom>
               <a:avLst/>
               <a:pathLst>
-                <a:path w="76834" h="100845">
+                <a:path w="76835" h="100845">
                   <a:moveTo>
                     <a:pt x="5238" y="19208"/>
                   </a:moveTo>
@@ -23235,7 +23235,7 @@
                     <a:pt x="73325" y="72294"/>
                   </a:lnTo>
                   <a:lnTo>
-                    <a:pt x="76834" y="75525"/>
+                    <a:pt x="76835" y="75525"/>
                   </a:lnTo>
                   <a:lnTo>
                     <a:pt x="72032" y="85129"/>
@@ -23364,7 +23364,7 @@
                     <a:pt x="25853" y="33423"/>
                   </a:lnTo>
                   <a:lnTo>
-                    <a:pt x="27939" y="27503"/>
+                    <a:pt x="27940" y="27503"/>
                   </a:lnTo>
                   <a:lnTo>
                     <a:pt x="5238" y="27503"/>
@@ -23393,7 +23393,7 @@
           </p:nvSpPr>
           <p:spPr>
             <a:xfrm>
-              <a:off x="3216543" y="2883209"/>
+              <a:off x="3214799" y="2886213"/>
               <a:ext cx="27066" cy="20518"/>
             </a:xfrm>
             <a:custGeom>
@@ -23490,7 +23490,7 @@
           </p:nvSpPr>
           <p:spPr>
             <a:xfrm>
-              <a:off x="3211304" y="2909403"/>
+              <a:off x="3209560" y="2912406"/>
               <a:ext cx="25757" cy="19645"/>
             </a:xfrm>
             <a:custGeom>
@@ -23587,7 +23587,7 @@
           </p:nvSpPr>
           <p:spPr>
             <a:xfrm>
-              <a:off x="3209994" y="2937779"/>
+              <a:off x="3208251" y="2940783"/>
               <a:ext cx="28376" cy="45402"/>
             </a:xfrm>
             <a:custGeom>
@@ -23684,7 +23684,7 @@
           </p:nvSpPr>
           <p:spPr>
             <a:xfrm>
-              <a:off x="3238371" y="2882336"/>
+              <a:off x="3236627" y="2885340"/>
               <a:ext cx="68540" cy="100845"/>
             </a:xfrm>
             <a:custGeom>
@@ -23959,7 +23959,7 @@
                     <a:pt x="7596" y="27045"/>
                   </a:lnTo>
                   <a:lnTo>
-                    <a:pt x="9779" y="23312"/>
+                    <a:pt x="9778" y="23312"/>
                   </a:lnTo>
                   <a:lnTo>
                     <a:pt x="11787" y="19536"/>
@@ -24000,7 +24000,7 @@
           </p:nvSpPr>
           <p:spPr>
             <a:xfrm>
-              <a:off x="3243173" y="2918570"/>
+              <a:off x="3241429" y="2921574"/>
               <a:ext cx="47585" cy="45402"/>
             </a:xfrm>
             <a:custGeom>
@@ -24008,7 +24008,7 @@
               <a:pathLst>
                 <a:path w="47585" h="45402">
                   <a:moveTo>
-                    <a:pt x="34924" y="14406"/>
+                    <a:pt x="34925" y="14406"/>
                   </a:moveTo>
                   <a:lnTo>
                     <a:pt x="36780" y="17204"/>
@@ -24226,7 +24226,7 @@
           </p:nvSpPr>
           <p:spPr>
             <a:xfrm>
-              <a:off x="3323064" y="2885392"/>
+              <a:off x="3321320" y="2888396"/>
               <a:ext cx="21828" cy="20954"/>
             </a:xfrm>
             <a:custGeom>
@@ -24323,7 +24323,7 @@
           </p:nvSpPr>
           <p:spPr>
             <a:xfrm>
-              <a:off x="3321318" y="2921626"/>
+              <a:off x="3319574" y="2924630"/>
               <a:ext cx="101282" cy="60682"/>
             </a:xfrm>
             <a:custGeom>
@@ -24534,7 +24534,7 @@
           </p:nvSpPr>
           <p:spPr>
             <a:xfrm>
-              <a:off x="3355369" y="2885392"/>
+              <a:off x="3353626" y="2888396"/>
               <a:ext cx="62428" cy="80327"/>
             </a:xfrm>
             <a:custGeom>
@@ -24892,7 +24892,7 @@
           </p:nvSpPr>
           <p:spPr>
             <a:xfrm>
-              <a:off x="3363664" y="2915078"/>
+              <a:off x="3361921" y="2918082"/>
               <a:ext cx="17899" cy="7858"/>
             </a:xfrm>
             <a:custGeom>
@@ -24935,7 +24935,7 @@
           </p:nvSpPr>
           <p:spPr>
             <a:xfrm>
-              <a:off x="3390294" y="2915078"/>
+              <a:off x="3388551" y="2918082"/>
               <a:ext cx="18772" cy="7858"/>
             </a:xfrm>
             <a:custGeom>
@@ -24978,7 +24978,7 @@
           </p:nvSpPr>
           <p:spPr>
             <a:xfrm>
-              <a:off x="3363664" y="2929921"/>
+              <a:off x="3361921" y="2932925"/>
               <a:ext cx="17899" cy="9167"/>
             </a:xfrm>
             <a:custGeom>
@@ -25021,7 +25021,7 @@
           </p:nvSpPr>
           <p:spPr>
             <a:xfrm>
-              <a:off x="3390294" y="2929921"/>
+              <a:off x="3388551" y="2932925"/>
               <a:ext cx="18772" cy="9167"/>
             </a:xfrm>
             <a:custGeom>
@@ -25064,7 +25064,7 @@
           </p:nvSpPr>
           <p:spPr>
             <a:xfrm>
-              <a:off x="3086774" y="2460922"/>
+              <a:off x="3085031" y="2462770"/>
               <a:ext cx="52387" cy="79781"/>
             </a:xfrm>
             <a:custGeom>
@@ -25587,7 +25587,7 @@
           </p:nvSpPr>
           <p:spPr>
             <a:xfrm>
-              <a:off x="3096924" y="2469599"/>
+              <a:off x="3095181" y="2471447"/>
               <a:ext cx="29631" cy="25156"/>
             </a:xfrm>
             <a:custGeom>
@@ -25807,7 +25807,7 @@
           </p:nvSpPr>
           <p:spPr>
             <a:xfrm>
-              <a:off x="3096924" y="2503268"/>
+              <a:off x="3095181" y="2505117"/>
               <a:ext cx="31541" cy="28813"/>
             </a:xfrm>
             <a:custGeom>
@@ -26087,7 +26087,7 @@
           </p:nvSpPr>
           <p:spPr>
             <a:xfrm>
-              <a:off x="3153350" y="2527061"/>
+              <a:off x="3151607" y="2528910"/>
               <a:ext cx="13860" cy="15225"/>
             </a:xfrm>
             <a:custGeom>
@@ -26598,7 +26598,7 @@
           </p:nvSpPr>
           <p:spPr>
             <a:xfrm>
-              <a:off x="3209121" y="2455574"/>
+              <a:off x="3207378" y="2457423"/>
               <a:ext cx="98226" cy="95170"/>
             </a:xfrm>
             <a:custGeom>
@@ -26746,7 +26746,7 @@
           </p:nvSpPr>
           <p:spPr>
             <a:xfrm>
-              <a:off x="3268494" y="2483077"/>
+              <a:off x="3266750" y="2484926"/>
               <a:ext cx="42783" cy="42346"/>
             </a:xfrm>
             <a:custGeom>
@@ -26843,7 +26843,7 @@
           </p:nvSpPr>
           <p:spPr>
             <a:xfrm>
-              <a:off x="3321754" y="2449462"/>
+              <a:off x="3320011" y="2451311"/>
               <a:ext cx="100845" cy="46712"/>
             </a:xfrm>
             <a:custGeom>
@@ -27004,7 +27004,7 @@
                     <a:pt x="39268" y="12114"/>
                   </a:lnTo>
                   <a:lnTo>
-                    <a:pt x="43307" y="8120"/>
+                    <a:pt x="43306" y="8120"/>
                   </a:lnTo>
                   <a:lnTo>
                     <a:pt x="46952" y="4081"/>
@@ -27033,7 +27033,7 @@
           </p:nvSpPr>
           <p:spPr>
             <a:xfrm>
-              <a:off x="3349258" y="2485260"/>
+              <a:off x="3347514" y="2487109"/>
               <a:ext cx="45839" cy="8294"/>
             </a:xfrm>
             <a:custGeom>
@@ -27076,7 +27076,7 @@
           </p:nvSpPr>
           <p:spPr>
             <a:xfrm>
-              <a:off x="3326120" y="2505779"/>
+              <a:off x="3324376" y="2507627"/>
               <a:ext cx="91678" cy="44965"/>
             </a:xfrm>
             <a:custGeom>
@@ -27099,7 +27099,7 @@
                     <a:pt x="91678" y="8294"/>
                   </a:lnTo>
                   <a:lnTo>
-                    <a:pt x="41910" y="8294"/>
+                    <a:pt x="41909" y="8294"/>
                   </a:lnTo>
                   <a:lnTo>
                     <a:pt x="39989" y="11603"/>
@@ -27341,7 +27341,7 @@
           </p:nvSpPr>
           <p:spPr>
             <a:xfrm>
-              <a:off x="3189148" y="2148858"/>
+              <a:off x="3187405" y="2149552"/>
               <a:ext cx="67940" cy="80109"/>
             </a:xfrm>
             <a:custGeom>
@@ -27396,7 +27396,7 @@
           </p:nvSpPr>
           <p:spPr>
             <a:xfrm>
-              <a:off x="3211522" y="2159772"/>
+              <a:off x="3209779" y="2160466"/>
               <a:ext cx="23246" cy="35470"/>
             </a:xfrm>
             <a:custGeom>
@@ -27676,7 +27676,7 @@
           </p:nvSpPr>
           <p:spPr>
             <a:xfrm>
-              <a:off x="3265110" y="2215325"/>
+              <a:off x="3263367" y="2216018"/>
               <a:ext cx="13860" cy="15225"/>
             </a:xfrm>
             <a:custGeom>
@@ -28187,7 +28187,7 @@
           </p:nvSpPr>
           <p:spPr>
             <a:xfrm>
-              <a:off x="3321754" y="2137726"/>
+              <a:off x="3320011" y="2138419"/>
               <a:ext cx="100845" cy="46712"/>
             </a:xfrm>
             <a:custGeom>
@@ -28348,7 +28348,7 @@
                     <a:pt x="39268" y="12114"/>
                   </a:lnTo>
                   <a:lnTo>
-                    <a:pt x="43307" y="8120"/>
+                    <a:pt x="43306" y="8120"/>
                   </a:lnTo>
                   <a:lnTo>
                     <a:pt x="46952" y="4081"/>
@@ -28377,7 +28377,7 @@
           </p:nvSpPr>
           <p:spPr>
             <a:xfrm>
-              <a:off x="3349258" y="2173524"/>
+              <a:off x="3347514" y="2174217"/>
               <a:ext cx="45839" cy="8294"/>
             </a:xfrm>
             <a:custGeom>
@@ -28420,7 +28420,7 @@
           </p:nvSpPr>
           <p:spPr>
             <a:xfrm>
-              <a:off x="3326120" y="2194043"/>
+              <a:off x="3324376" y="2194736"/>
               <a:ext cx="91678" cy="44965"/>
             </a:xfrm>
             <a:custGeom>
@@ -28443,7 +28443,7 @@
                     <a:pt x="91678" y="8294"/>
                   </a:lnTo>
                   <a:lnTo>
-                    <a:pt x="41910" y="8294"/>
+                    <a:pt x="41909" y="8294"/>
                   </a:lnTo>
                   <a:lnTo>
                     <a:pt x="39989" y="11603"/>
@@ -28685,7 +28685,7 @@
           </p:nvSpPr>
           <p:spPr>
             <a:xfrm>
-              <a:off x="3427839" y="2813995"/>
+              <a:off x="3426095" y="2816999"/>
               <a:ext cx="34794" cy="0"/>
             </a:xfrm>
             <a:custGeom>
@@ -28725,7 +28725,7 @@
           </p:nvSpPr>
           <p:spPr>
             <a:xfrm>
-              <a:off x="3427839" y="2502259"/>
+              <a:off x="3426095" y="2504107"/>
               <a:ext cx="34794" cy="0"/>
             </a:xfrm>
             <a:custGeom>
@@ -28765,7 +28765,7 @@
           </p:nvSpPr>
           <p:spPr>
             <a:xfrm>
-              <a:off x="3427839" y="2190523"/>
+              <a:off x="3426095" y="2191216"/>
               <a:ext cx="34794" cy="0"/>
             </a:xfrm>
             <a:custGeom>
@@ -28805,7 +28805,7 @@
           </p:nvSpPr>
           <p:spPr>
             <a:xfrm>
-              <a:off x="3462633" y="3001037"/>
+              <a:off x="3460890" y="3004734"/>
               <a:ext cx="0" cy="34794"/>
             </a:xfrm>
             <a:custGeom>
@@ -28845,7 +28845,7 @@
           </p:nvSpPr>
           <p:spPr>
             <a:xfrm>
-              <a:off x="3999885" y="3001037"/>
+              <a:off x="3998592" y="3004734"/>
               <a:ext cx="0" cy="34794"/>
             </a:xfrm>
             <a:custGeom>
@@ -28885,7 +28885,7 @@
           </p:nvSpPr>
           <p:spPr>
             <a:xfrm>
-              <a:off x="4537136" y="3001037"/>
+              <a:off x="4536294" y="3004734"/>
               <a:ext cx="0" cy="34794"/>
             </a:xfrm>
             <a:custGeom>
@@ -28925,7 +28925,7 @@
           </p:nvSpPr>
           <p:spPr>
             <a:xfrm>
-              <a:off x="5074387" y="3001037"/>
+              <a:off x="5073996" y="3004734"/>
               <a:ext cx="0" cy="34794"/>
             </a:xfrm>
             <a:custGeom>
@@ -28965,7 +28965,7 @@
           </p:nvSpPr>
           <p:spPr>
             <a:xfrm>
-              <a:off x="3435921" y="3062521"/>
+              <a:off x="3434178" y="3066218"/>
               <a:ext cx="53424" cy="79126"/>
             </a:xfrm>
             <a:custGeom>
@@ -29476,7 +29476,7 @@
           </p:nvSpPr>
           <p:spPr>
             <a:xfrm>
-              <a:off x="3445853" y="3070488"/>
+              <a:off x="3444109" y="3074185"/>
               <a:ext cx="33506" cy="63137"/>
             </a:xfrm>
             <a:custGeom>
@@ -29987,7 +29987,7 @@
           </p:nvSpPr>
           <p:spPr>
             <a:xfrm>
-              <a:off x="3912272" y="3062521"/>
+              <a:off x="3910979" y="3066218"/>
               <a:ext cx="50914" cy="78035"/>
             </a:xfrm>
             <a:custGeom>
@@ -30933,7 +30933,7 @@
           </p:nvSpPr>
           <p:spPr>
             <a:xfrm>
-              <a:off x="3973282" y="3063667"/>
+              <a:off x="3971989" y="3067364"/>
               <a:ext cx="52987" cy="77980"/>
             </a:xfrm>
             <a:custGeom>
@@ -31885,7 +31885,7 @@
           </p:nvSpPr>
           <p:spPr>
             <a:xfrm>
-              <a:off x="4035328" y="3062521"/>
+              <a:off x="4034035" y="3066218"/>
               <a:ext cx="53424" cy="79126"/>
             </a:xfrm>
             <a:custGeom>
@@ -32396,7 +32396,7 @@
           </p:nvSpPr>
           <p:spPr>
             <a:xfrm>
-              <a:off x="4045260" y="3070488"/>
+              <a:off x="4043967" y="3074185"/>
               <a:ext cx="33506" cy="63137"/>
             </a:xfrm>
             <a:custGeom>
@@ -32907,7 +32907,7 @@
           </p:nvSpPr>
           <p:spPr>
             <a:xfrm>
-              <a:off x="4448377" y="3063667"/>
+              <a:off x="4447535" y="3067364"/>
               <a:ext cx="52987" cy="77980"/>
             </a:xfrm>
             <a:custGeom>
@@ -33859,7 +33859,7 @@
           </p:nvSpPr>
           <p:spPr>
             <a:xfrm>
-              <a:off x="4510424" y="3062521"/>
+              <a:off x="4509582" y="3066218"/>
               <a:ext cx="53424" cy="79126"/>
             </a:xfrm>
             <a:custGeom>
@@ -34370,7 +34370,7 @@
           </p:nvSpPr>
           <p:spPr>
             <a:xfrm>
-              <a:off x="4520356" y="3070488"/>
+              <a:off x="4519514" y="3074185"/>
               <a:ext cx="33506" cy="63137"/>
             </a:xfrm>
             <a:custGeom>
@@ -34881,7 +34881,7 @@
           </p:nvSpPr>
           <p:spPr>
             <a:xfrm>
-              <a:off x="4572579" y="3062521"/>
+              <a:off x="4571737" y="3066218"/>
               <a:ext cx="53424" cy="79126"/>
             </a:xfrm>
             <a:custGeom>
@@ -35392,7 +35392,7 @@
           </p:nvSpPr>
           <p:spPr>
             <a:xfrm>
-              <a:off x="4582511" y="3070488"/>
+              <a:off x="4581669" y="3074185"/>
               <a:ext cx="33506" cy="63137"/>
             </a:xfrm>
             <a:custGeom>
@@ -35903,7 +35903,7 @@
           </p:nvSpPr>
           <p:spPr>
             <a:xfrm>
-              <a:off x="4986884" y="3063667"/>
+              <a:off x="4986493" y="3067364"/>
               <a:ext cx="50804" cy="76889"/>
             </a:xfrm>
             <a:custGeom>
@@ -36189,7 +36189,7 @@
           </p:nvSpPr>
           <p:spPr>
             <a:xfrm>
-              <a:off x="5047784" y="3063667"/>
+              <a:off x="5047393" y="3067364"/>
               <a:ext cx="52987" cy="77980"/>
             </a:xfrm>
             <a:custGeom>
@@ -37141,7 +37141,7 @@
           </p:nvSpPr>
           <p:spPr>
             <a:xfrm>
-              <a:off x="5109831" y="3062521"/>
+              <a:off x="5109440" y="3066218"/>
               <a:ext cx="53424" cy="79126"/>
             </a:xfrm>
             <a:custGeom>
@@ -37652,7 +37652,7 @@
           </p:nvSpPr>
           <p:spPr>
             <a:xfrm>
-              <a:off x="5119763" y="3070488"/>
+              <a:off x="5119371" y="3074185"/>
               <a:ext cx="33506" cy="63137"/>
             </a:xfrm>
             <a:custGeom>
